--- a/slides/DAA_-L2_8_optimal-binary-search-trees.pptx
+++ b/slides/DAA_-L2_8_optimal-binary-search-trees.pptx
@@ -5941,6 +5941,26 @@
               <a:buNone/>
             </a:pPr>
             <a:r>
+              <a:t/>
+            </a:r>
+            <a:endParaRPr b="1" sz="1300">
+              <a:solidFill>
+                <a:srgbClr val="000000"/>
+              </a:solidFill>
+              <a:latin typeface="Century"/>
+              <a:ea typeface="Century"/>
+              <a:cs typeface="Century"/>
+              <a:sym typeface="Century"/>
+            </a:endParaRPr>
+          </a:p>
+          <a:p>
+            <a:pPr lvl="0">
+              <a:spcBef>
+                <a:spcPts val="0"/>
+              </a:spcBef>
+              <a:buNone/>
+            </a:pPr>
+            <a:r>
               <a:rPr b="1" lang="es" sz="1300">
                 <a:solidFill>
                   <a:srgbClr val="000000"/>
@@ -5976,6 +5996,81 @@
               <a:t/>
             </a:r>
             <a:endParaRPr sz="1300">
+              <a:solidFill>
+                <a:srgbClr val="000000"/>
+              </a:solidFill>
+              <a:latin typeface="Century"/>
+              <a:ea typeface="Century"/>
+              <a:cs typeface="Century"/>
+              <a:sym typeface="Century"/>
+            </a:endParaRPr>
+          </a:p>
+          <a:p>
+            <a:pPr lvl="0">
+              <a:spcBef>
+                <a:spcPts val="0"/>
+              </a:spcBef>
+              <a:buClr>
+                <a:schemeClr val="dk1"/>
+              </a:buClr>
+              <a:buSzPct val="84615"/>
+              <a:buFont typeface="Arial"/>
+              <a:buNone/>
+            </a:pPr>
+            <a:r>
+              <a:t/>
+            </a:r>
+            <a:endParaRPr b="1" sz="1300">
+              <a:solidFill>
+                <a:srgbClr val="000000"/>
+              </a:solidFill>
+              <a:latin typeface="Century"/>
+              <a:ea typeface="Century"/>
+              <a:cs typeface="Century"/>
+              <a:sym typeface="Century"/>
+            </a:endParaRPr>
+          </a:p>
+          <a:p>
+            <a:pPr lvl="0">
+              <a:spcBef>
+                <a:spcPts val="0"/>
+              </a:spcBef>
+              <a:buClr>
+                <a:schemeClr val="dk1"/>
+              </a:buClr>
+              <a:buSzPct val="84615"/>
+              <a:buFont typeface="Arial"/>
+              <a:buNone/>
+            </a:pPr>
+            <a:r>
+              <a:t/>
+            </a:r>
+            <a:endParaRPr b="1" sz="1300">
+              <a:solidFill>
+                <a:srgbClr val="000000"/>
+              </a:solidFill>
+              <a:latin typeface="Century"/>
+              <a:ea typeface="Century"/>
+              <a:cs typeface="Century"/>
+              <a:sym typeface="Century"/>
+            </a:endParaRPr>
+          </a:p>
+          <a:p>
+            <a:pPr lvl="0">
+              <a:spcBef>
+                <a:spcPts val="0"/>
+              </a:spcBef>
+              <a:buClr>
+                <a:schemeClr val="dk1"/>
+              </a:buClr>
+              <a:buSzPct val="84615"/>
+              <a:buFont typeface="Arial"/>
+              <a:buNone/>
+            </a:pPr>
+            <a:r>
+              <a:t/>
+            </a:r>
+            <a:endParaRPr b="1" sz="1300">
               <a:solidFill>
                 <a:srgbClr val="000000"/>
               </a:solidFill>
@@ -6482,7 +6577,7 @@
         </p:nvSpPr>
         <p:spPr>
           <a:xfrm>
-            <a:off x="2544225" y="297366"/>
+            <a:off x="2544225" y="144966"/>
             <a:ext cx="2981400" cy="4661400"/>
           </a:xfrm>
           <a:prstGeom prst="rect">
@@ -6508,7 +6603,7 @@
               <a:buNone/>
             </a:pPr>
             <a:r>
-              <a:rPr lang="es" sz="1200">
+              <a:rPr lang="es" sz="1300">
                 <a:solidFill>
                   <a:srgbClr val="000000"/>
                 </a:solidFill>
@@ -6534,12 +6629,12 @@
               <a:buClr>
                 <a:schemeClr val="dk1"/>
               </a:buClr>
-              <a:buSzPct val="91666"/>
+              <a:buSzPct val="84615"/>
               <a:buFont typeface="Arial"/>
               <a:buNone/>
             </a:pPr>
             <a:r>
-              <a:rPr lang="es" sz="1200">
+              <a:rPr lang="es" sz="1300">
                 <a:solidFill>
                   <a:srgbClr val="000000"/>
                 </a:solidFill>
@@ -6565,12 +6660,12 @@
               <a:buClr>
                 <a:schemeClr val="dk1"/>
               </a:buClr>
-              <a:buSzPct val="91666"/>
+              <a:buSzPct val="84615"/>
               <a:buFont typeface="Arial"/>
               <a:buNone/>
             </a:pPr>
             <a:r>
-              <a:rPr lang="es" sz="1200">
+              <a:rPr lang="es" sz="1300">
                 <a:solidFill>
                   <a:srgbClr val="000000"/>
                 </a:solidFill>
@@ -6596,12 +6691,12 @@
               <a:buClr>
                 <a:schemeClr val="dk1"/>
               </a:buClr>
-              <a:buSzPct val="91666"/>
+              <a:buSzPct val="84615"/>
               <a:buFont typeface="Arial"/>
               <a:buNone/>
             </a:pPr>
             <a:r>
-              <a:rPr lang="es" sz="1200">
+              <a:rPr lang="es" sz="1300">
                 <a:solidFill>
                   <a:srgbClr val="000000"/>
                 </a:solidFill>
@@ -6627,12 +6722,12 @@
               <a:buClr>
                 <a:schemeClr val="dk1"/>
               </a:buClr>
-              <a:buSzPct val="91666"/>
+              <a:buSzPct val="84615"/>
               <a:buFont typeface="Arial"/>
               <a:buNone/>
             </a:pPr>
             <a:r>
-              <a:rPr lang="es" sz="1200">
+              <a:rPr lang="es" sz="1300">
                 <a:solidFill>
                   <a:schemeClr val="dk1"/>
                 </a:solidFill>
@@ -6644,7 +6739,7 @@
               <a:t>    </a:t>
             </a:r>
             <a:r>
-              <a:rPr lang="es" sz="1200">
+              <a:rPr lang="es" sz="1300">
                 <a:solidFill>
                   <a:srgbClr val="000000"/>
                 </a:solidFill>
@@ -6670,12 +6765,12 @@
               <a:buClr>
                 <a:schemeClr val="dk1"/>
               </a:buClr>
-              <a:buSzPct val="91666"/>
+              <a:buSzPct val="84615"/>
               <a:buFont typeface="Arial"/>
               <a:buNone/>
             </a:pPr>
             <a:r>
-              <a:rPr lang="es" sz="1200">
+              <a:rPr lang="es" sz="1300">
                 <a:solidFill>
                   <a:schemeClr val="dk1"/>
                 </a:solidFill>
@@ -6687,7 +6782,7 @@
               <a:t>        </a:t>
             </a:r>
             <a:r>
-              <a:rPr lang="es" sz="1200">
+              <a:rPr lang="es" sz="1300">
                 <a:solidFill>
                   <a:srgbClr val="000000"/>
                 </a:solidFill>
@@ -6713,12 +6808,12 @@
               <a:buClr>
                 <a:schemeClr val="dk1"/>
               </a:buClr>
-              <a:buSzPct val="91666"/>
+              <a:buSzPct val="84615"/>
               <a:buFont typeface="Arial"/>
               <a:buNone/>
             </a:pPr>
             <a:r>
-              <a:rPr lang="es" sz="1200">
+              <a:rPr lang="es" sz="1300">
                 <a:solidFill>
                   <a:schemeClr val="dk1"/>
                 </a:solidFill>
@@ -6730,7 +6825,7 @@
               <a:t>        </a:t>
             </a:r>
             <a:r>
-              <a:rPr lang="es" sz="1200">
+              <a:rPr lang="es" sz="1300">
                 <a:solidFill>
                   <a:srgbClr val="000000"/>
                 </a:solidFill>
@@ -6756,12 +6851,12 @@
               <a:buClr>
                 <a:schemeClr val="dk1"/>
               </a:buClr>
-              <a:buSzPct val="91666"/>
+              <a:buSzPct val="84615"/>
               <a:buFont typeface="Arial"/>
               <a:buNone/>
             </a:pPr>
             <a:r>
-              <a:rPr lang="es" sz="1200">
+              <a:rPr lang="es" sz="1300">
                 <a:solidFill>
                   <a:schemeClr val="dk1"/>
                 </a:solidFill>
@@ -6773,7 +6868,7 @@
               <a:t>        </a:t>
             </a:r>
             <a:r>
-              <a:rPr lang="es" sz="1200">
+              <a:rPr lang="es" sz="1300">
                 <a:solidFill>
                   <a:srgbClr val="000000"/>
                 </a:solidFill>
@@ -6799,12 +6894,12 @@
               <a:buClr>
                 <a:schemeClr val="dk1"/>
               </a:buClr>
-              <a:buSzPct val="91666"/>
+              <a:buSzPct val="84615"/>
               <a:buFont typeface="Arial"/>
               <a:buNone/>
             </a:pPr>
             <a:r>
-              <a:rPr lang="es" sz="1200">
+              <a:rPr lang="es" sz="1300">
                 <a:solidFill>
                   <a:schemeClr val="dk1"/>
                 </a:solidFill>
@@ -6816,7 +6911,7 @@
               <a:t>        </a:t>
             </a:r>
             <a:r>
-              <a:rPr lang="es" sz="1200">
+              <a:rPr lang="es" sz="1300">
                 <a:solidFill>
                   <a:srgbClr val="000000"/>
                 </a:solidFill>
@@ -6842,12 +6937,12 @@
               <a:buClr>
                 <a:schemeClr val="dk1"/>
               </a:buClr>
-              <a:buSzPct val="91666"/>
+              <a:buSzPct val="84615"/>
               <a:buFont typeface="Arial"/>
               <a:buNone/>
             </a:pPr>
             <a:r>
-              <a:rPr lang="es" sz="1200">
+              <a:rPr lang="es" sz="1300">
                 <a:solidFill>
                   <a:schemeClr val="dk1"/>
                 </a:solidFill>
@@ -6859,7 +6954,7 @@
               <a:t>            </a:t>
             </a:r>
             <a:r>
-              <a:rPr lang="es" sz="1200">
+              <a:rPr lang="es" sz="1300">
                 <a:solidFill>
                   <a:srgbClr val="000000"/>
                 </a:solidFill>
@@ -6885,12 +6980,12 @@
               <a:buClr>
                 <a:schemeClr val="dk1"/>
               </a:buClr>
-              <a:buSzPct val="91666"/>
+              <a:buSzPct val="84615"/>
               <a:buFont typeface="Arial"/>
               <a:buNone/>
             </a:pPr>
             <a:r>
-              <a:rPr lang="es" sz="1200">
+              <a:rPr lang="es" sz="1300">
                 <a:solidFill>
                   <a:schemeClr val="dk1"/>
                 </a:solidFill>
@@ -6902,7 +6997,7 @@
               <a:t>            </a:t>
             </a:r>
             <a:r>
-              <a:rPr lang="es" sz="1200">
+              <a:rPr lang="es" sz="1300">
                 <a:solidFill>
                   <a:srgbClr val="000000"/>
                 </a:solidFill>
@@ -6928,12 +7023,12 @@
               <a:buClr>
                 <a:schemeClr val="dk1"/>
               </a:buClr>
-              <a:buSzPct val="91666"/>
+              <a:buSzPct val="84615"/>
               <a:buFont typeface="Arial"/>
               <a:buNone/>
             </a:pPr>
             <a:r>
-              <a:rPr lang="es" sz="1200">
+              <a:rPr lang="es" sz="1300">
                 <a:solidFill>
                   <a:schemeClr val="dk1"/>
                 </a:solidFill>
@@ -6945,7 +7040,7 @@
               <a:t>                </a:t>
             </a:r>
             <a:r>
-              <a:rPr lang="es" sz="1200">
+              <a:rPr lang="es" sz="1300">
                 <a:solidFill>
                   <a:srgbClr val="000000"/>
                 </a:solidFill>
@@ -6971,12 +7066,12 @@
               <a:buClr>
                 <a:schemeClr val="dk1"/>
               </a:buClr>
-              <a:buSzPct val="91666"/>
+              <a:buSzPct val="84615"/>
               <a:buFont typeface="Arial"/>
               <a:buNone/>
             </a:pPr>
             <a:r>
-              <a:rPr lang="es" sz="1200">
+              <a:rPr lang="es" sz="1300">
                 <a:solidFill>
                   <a:schemeClr val="dk1"/>
                 </a:solidFill>
@@ -6988,7 +7083,7 @@
               <a:t>            </a:t>
             </a:r>
             <a:r>
-              <a:rPr lang="es" sz="1200">
+              <a:rPr lang="es" sz="1300">
                 <a:solidFill>
                   <a:srgbClr val="000000"/>
                 </a:solidFill>
@@ -7014,12 +7109,12 @@
               <a:buClr>
                 <a:schemeClr val="dk1"/>
               </a:buClr>
-              <a:buSzPct val="91666"/>
+              <a:buSzPct val="84615"/>
               <a:buFont typeface="Arial"/>
               <a:buNone/>
             </a:pPr>
             <a:r>
-              <a:rPr lang="es" sz="1200">
+              <a:rPr lang="es" sz="1300">
                 <a:solidFill>
                   <a:schemeClr val="dk1"/>
                 </a:solidFill>
@@ -7031,7 +7126,7 @@
               <a:t>                </a:t>
             </a:r>
             <a:r>
-              <a:rPr lang="es" sz="1200">
+              <a:rPr lang="es" sz="1300">
                 <a:solidFill>
                   <a:srgbClr val="000000"/>
                 </a:solidFill>
@@ -7054,12 +7149,12 @@
               <a:buClr>
                 <a:schemeClr val="dk1"/>
               </a:buClr>
-              <a:buSzPct val="91666"/>
+              <a:buSzPct val="84615"/>
               <a:buFont typeface="Arial"/>
               <a:buNone/>
             </a:pPr>
             <a:r>
-              <a:rPr lang="es" sz="1200">
+              <a:rPr lang="es" sz="1300">
                 <a:solidFill>
                   <a:schemeClr val="dk1"/>
                 </a:solidFill>
@@ -7146,12 +7241,12 @@
               <a:buClr>
                 <a:schemeClr val="dk1"/>
               </a:buClr>
-              <a:buSzPct val="91666"/>
+              <a:buSzPct val="84615"/>
               <a:buFont typeface="Arial"/>
               <a:buNone/>
             </a:pPr>
             <a:r>
-              <a:rPr lang="es" sz="1200">
+              <a:rPr lang="es" sz="1300">
                 <a:solidFill>
                   <a:schemeClr val="dk1"/>
                 </a:solidFill>
@@ -7174,12 +7269,12 @@
               <a:buClr>
                 <a:schemeClr val="dk1"/>
               </a:buClr>
-              <a:buSzPct val="91666"/>
+              <a:buSzPct val="84615"/>
               <a:buFont typeface="Arial"/>
               <a:buNone/>
             </a:pPr>
             <a:r>
-              <a:rPr lang="es" sz="1200">
+              <a:rPr lang="es" sz="1300">
                 <a:solidFill>
                   <a:schemeClr val="dk1"/>
                 </a:solidFill>
@@ -7204,7 +7299,7 @@
             <a:r>
               <a:t/>
             </a:r>
-            <a:endParaRPr sz="1200">
+            <a:endParaRPr sz="1300">
               <a:solidFill>
                 <a:schemeClr val="dk1"/>
               </a:solidFill>
@@ -7225,7 +7320,7 @@
               <a:buNone/>
             </a:pPr>
             <a:r>
-              <a:rPr lang="es" sz="1200">
+              <a:rPr lang="es" sz="1300">
                 <a:solidFill>
                   <a:schemeClr val="dk1"/>
                 </a:solidFill>
@@ -7248,7 +7343,7 @@
               <a:buNone/>
             </a:pPr>
             <a:r>
-              <a:rPr lang="es" sz="1200">
+              <a:rPr lang="es" sz="1300">
                 <a:solidFill>
                   <a:schemeClr val="dk1"/>
                 </a:solidFill>
@@ -7271,7 +7366,7 @@
               <a:buNone/>
             </a:pPr>
             <a:r>
-              <a:rPr lang="es" sz="1200">
+              <a:rPr lang="es" sz="1300">
                 <a:solidFill>
                   <a:schemeClr val="dk1"/>
                 </a:solidFill>
@@ -7294,12 +7389,12 @@
               <a:buClr>
                 <a:schemeClr val="dk1"/>
               </a:buClr>
-              <a:buSzPct val="91666"/>
+              <a:buSzPct val="84615"/>
               <a:buFont typeface="Arial"/>
               <a:buNone/>
             </a:pPr>
             <a:r>
-              <a:rPr lang="es" sz="1200">
+              <a:rPr lang="es" sz="1300">
                 <a:solidFill>
                   <a:schemeClr val="dk1"/>
                 </a:solidFill>
@@ -7322,12 +7417,12 @@
               <a:buClr>
                 <a:schemeClr val="dk1"/>
               </a:buClr>
-              <a:buSzPct val="91666"/>
+              <a:buSzPct val="84615"/>
               <a:buFont typeface="Arial"/>
               <a:buNone/>
             </a:pPr>
             <a:r>
-              <a:rPr lang="es" sz="1200">
+              <a:rPr lang="es" sz="1300">
                 <a:solidFill>
                   <a:schemeClr val="dk1"/>
                 </a:solidFill>
@@ -7350,12 +7445,12 @@
               <a:buClr>
                 <a:schemeClr val="dk1"/>
               </a:buClr>
-              <a:buSzPct val="91666"/>
+              <a:buSzPct val="84615"/>
               <a:buFont typeface="Arial"/>
               <a:buNone/>
             </a:pPr>
             <a:r>
-              <a:rPr lang="es" sz="1200">
+              <a:rPr lang="es" sz="1300">
                 <a:solidFill>
                   <a:schemeClr val="dk1"/>
                 </a:solidFill>
@@ -7492,7 +7587,7 @@
               <a:buNone/>
             </a:pPr>
             <a:r>
-              <a:rPr lang="es" sz="1200">
+              <a:rPr lang="es" sz="1300">
                 <a:solidFill>
                   <a:srgbClr val="000000"/>
                 </a:solidFill>
@@ -7520,7 +7615,7 @@
             <a:r>
               <a:t/>
             </a:r>
-            <a:endParaRPr sz="1200">
+            <a:endParaRPr sz="1300">
               <a:solidFill>
                 <a:srgbClr val="000000"/>
               </a:solidFill>
@@ -7541,12 +7636,12 @@
               <a:buClr>
                 <a:schemeClr val="dk1"/>
               </a:buClr>
-              <a:buSzPct val="91666"/>
+              <a:buSzPct val="84615"/>
               <a:buFont typeface="Arial"/>
               <a:buNone/>
             </a:pPr>
             <a:r>
-              <a:rPr lang="es" sz="1200">
+              <a:rPr lang="es" sz="1300">
                 <a:solidFill>
                   <a:srgbClr val="000000"/>
                 </a:solidFill>
@@ -7569,12 +7664,12 @@
               <a:buClr>
                 <a:schemeClr val="dk1"/>
               </a:buClr>
-              <a:buSzPct val="91666"/>
+              <a:buSzPct val="84615"/>
               <a:buFont typeface="Arial"/>
               <a:buNone/>
             </a:pPr>
             <a:r>
-              <a:rPr lang="es" sz="1200">
+              <a:rPr lang="es" sz="1300">
                 <a:solidFill>
                   <a:srgbClr val="000000"/>
                 </a:solidFill>
@@ -7597,12 +7692,12 @@
               <a:buClr>
                 <a:schemeClr val="dk1"/>
               </a:buClr>
-              <a:buSzPct val="91666"/>
+              <a:buSzPct val="84615"/>
               <a:buFont typeface="Arial"/>
               <a:buNone/>
             </a:pPr>
             <a:r>
-              <a:rPr lang="es" sz="1200">
+              <a:rPr lang="es" sz="1300">
                 <a:solidFill>
                   <a:srgbClr val="000000"/>
                 </a:solidFill>
@@ -7625,12 +7720,12 @@
               <a:buClr>
                 <a:schemeClr val="dk1"/>
               </a:buClr>
-              <a:buSzPct val="91666"/>
+              <a:buSzPct val="84615"/>
               <a:buFont typeface="Arial"/>
               <a:buNone/>
             </a:pPr>
             <a:r>
-              <a:rPr lang="es" sz="1200">
+              <a:rPr lang="es" sz="1300">
                 <a:solidFill>
                   <a:srgbClr val="000000"/>
                 </a:solidFill>
@@ -7653,12 +7748,12 @@
               <a:buClr>
                 <a:schemeClr val="dk1"/>
               </a:buClr>
-              <a:buSzPct val="91666"/>
+              <a:buSzPct val="84615"/>
               <a:buFont typeface="Arial"/>
               <a:buNone/>
             </a:pPr>
             <a:r>
-              <a:rPr lang="es" sz="1200">
+              <a:rPr lang="es" sz="1300">
                 <a:solidFill>
                   <a:srgbClr val="000000"/>
                 </a:solidFill>
@@ -7681,12 +7776,12 @@
               <a:buClr>
                 <a:schemeClr val="dk1"/>
               </a:buClr>
-              <a:buSzPct val="91666"/>
+              <a:buSzPct val="84615"/>
               <a:buFont typeface="Arial"/>
               <a:buNone/>
             </a:pPr>
             <a:r>
-              <a:rPr lang="es" sz="1200">
+              <a:rPr lang="es" sz="1300">
                 <a:solidFill>
                   <a:srgbClr val="000000"/>
                 </a:solidFill>
@@ -7709,12 +7804,12 @@
               <a:buClr>
                 <a:schemeClr val="dk1"/>
               </a:buClr>
-              <a:buSzPct val="91666"/>
+              <a:buSzPct val="84615"/>
               <a:buFont typeface="Arial"/>
               <a:buNone/>
             </a:pPr>
             <a:r>
-              <a:rPr lang="es" sz="1200">
+              <a:rPr lang="es" sz="1300">
                 <a:solidFill>
                   <a:srgbClr val="000000"/>
                 </a:solidFill>
@@ -7948,7 +8043,7 @@
         </p:nvSpPr>
         <p:spPr>
           <a:xfrm>
-            <a:off x="2874625" y="275350"/>
+            <a:off x="2722225" y="199150"/>
             <a:ext cx="5562000" cy="4656600"/>
           </a:xfrm>
           <a:prstGeom prst="rect">
@@ -7997,7 +8092,7 @@
               <a:buNone/>
             </a:pPr>
             <a:r>
-              <a:rPr lang="es" sz="1200">
+              <a:rPr lang="es" sz="1300">
                 <a:solidFill>
                   <a:srgbClr val="000000"/>
                 </a:solidFill>
@@ -8020,7 +8115,7 @@
               <a:buNone/>
             </a:pPr>
             <a:r>
-              <a:rPr lang="es" sz="1200">
+              <a:rPr lang="es" sz="1300">
                 <a:solidFill>
                   <a:srgbClr val="000000"/>
                 </a:solidFill>
@@ -8043,7 +8138,7 @@
               <a:buNone/>
             </a:pPr>
             <a:r>
-              <a:rPr lang="es" sz="1200">
+              <a:rPr lang="es" sz="1300">
                 <a:solidFill>
                   <a:srgbClr val="000000"/>
                 </a:solidFill>
@@ -8066,7 +8161,7 @@
               <a:buNone/>
             </a:pPr>
             <a:r>
-              <a:rPr lang="es" sz="1200">
+              <a:rPr lang="es" sz="1300">
                 <a:solidFill>
                   <a:srgbClr val="000000"/>
                 </a:solidFill>
@@ -8089,7 +8184,7 @@
               <a:buNone/>
             </a:pPr>
             <a:r>
-              <a:rPr lang="es" sz="1200">
+              <a:rPr lang="es" sz="1300">
                 <a:solidFill>
                   <a:srgbClr val="000000"/>
                 </a:solidFill>
@@ -8112,7 +8207,7 @@
               <a:buNone/>
             </a:pPr>
             <a:r>
-              <a:rPr lang="es" sz="1200">
+              <a:rPr lang="es" sz="1300">
                 <a:solidFill>
                   <a:srgbClr val="000000"/>
                 </a:solidFill>
@@ -8135,7 +8230,7 @@
               <a:buNone/>
             </a:pPr>
             <a:r>
-              <a:rPr lang="es" sz="1200">
+              <a:rPr lang="es" sz="1300">
                 <a:solidFill>
                   <a:srgbClr val="000000"/>
                 </a:solidFill>
@@ -8158,7 +8253,7 @@
               <a:buNone/>
             </a:pPr>
             <a:r>
-              <a:rPr lang="es" sz="1200">
+              <a:rPr lang="es" sz="1300">
                 <a:solidFill>
                   <a:srgbClr val="000000"/>
                 </a:solidFill>
@@ -8181,7 +8276,7 @@
               <a:buNone/>
             </a:pPr>
             <a:r>
-              <a:rPr lang="es" sz="1200">
+              <a:rPr lang="es" sz="1300">
                 <a:solidFill>
                   <a:srgbClr val="000000"/>
                 </a:solidFill>
@@ -8204,7 +8299,7 @@
               <a:buNone/>
             </a:pPr>
             <a:r>
-              <a:rPr lang="es" sz="1200">
+              <a:rPr lang="es" sz="1300">
                 <a:solidFill>
                   <a:srgbClr val="000000"/>
                 </a:solidFill>
@@ -8227,7 +8322,7 @@
               <a:buNone/>
             </a:pPr>
             <a:r>
-              <a:rPr lang="es" sz="1200">
+              <a:rPr lang="es" sz="1300">
                 <a:solidFill>
                   <a:srgbClr val="000000"/>
                 </a:solidFill>
@@ -8250,7 +8345,7 @@
               <a:buNone/>
             </a:pPr>
             <a:r>
-              <a:rPr lang="es" sz="1200">
+              <a:rPr lang="es" sz="1300">
                 <a:solidFill>
                   <a:srgbClr val="000000"/>
                 </a:solidFill>
@@ -8273,7 +8368,7 @@
               <a:buNone/>
             </a:pPr>
             <a:r>
-              <a:rPr lang="es" sz="1200">
+              <a:rPr lang="es" sz="1300">
                 <a:solidFill>
                   <a:srgbClr val="000000"/>
                 </a:solidFill>
@@ -8296,7 +8391,7 @@
               <a:buNone/>
             </a:pPr>
             <a:r>
-              <a:rPr lang="es" sz="1200">
+              <a:rPr lang="es" sz="1300">
                 <a:solidFill>
                   <a:srgbClr val="000000"/>
                 </a:solidFill>
@@ -8319,7 +8414,7 @@
               <a:buNone/>
             </a:pPr>
             <a:r>
-              <a:rPr lang="es" sz="1200">
+              <a:rPr lang="es" sz="1300">
                 <a:solidFill>
                   <a:srgbClr val="000000"/>
                 </a:solidFill>
@@ -8342,7 +8437,7 @@
               <a:buNone/>
             </a:pPr>
             <a:r>
-              <a:rPr lang="es" sz="1200">
+              <a:rPr lang="es" sz="1300">
                 <a:solidFill>
                   <a:srgbClr val="000000"/>
                 </a:solidFill>
@@ -8521,7 +8616,7 @@
             <a:tbl>
               <a:tblPr>
                 <a:noFill/>
-                <a:tableStyleId>{90A54035-F358-494F-B7C4-EB8A78E389B3}</a:tableStyleId>
+                <a:tableStyleId>{FB7E2F4D-010A-42A0-907A-80F9F539624D}</a:tableStyleId>
               </a:tblPr>
               <a:tblGrid>
                 <a:gridCol w="961900"/>
@@ -10152,7 +10247,7 @@
             <a:tbl>
               <a:tblPr>
                 <a:noFill/>
-                <a:tableStyleId>{90A54035-F358-494F-B7C4-EB8A78E389B3}</a:tableStyleId>
+                <a:tableStyleId>{FB7E2F4D-010A-42A0-907A-80F9F539624D}</a:tableStyleId>
               </a:tblPr>
               <a:tblGrid>
                 <a:gridCol w="961900"/>
@@ -11838,7 +11933,7 @@
             <a:r>
               <a:t/>
             </a:r>
-            <a:endParaRPr sz="1800">
+            <a:endParaRPr sz="2000">
               <a:solidFill>
                 <a:srgbClr val="FFFFFF"/>
               </a:solidFill>
@@ -11856,7 +11951,7 @@
               <a:buNone/>
             </a:pPr>
             <a:r>
-              <a:rPr lang="es" sz="1800">
+              <a:rPr lang="es" sz="2000">
                 <a:solidFill>
                   <a:srgbClr val="FFFFFF"/>
                 </a:solidFill>
@@ -11868,7 +11963,7 @@
               <a:t>– </a:t>
             </a:r>
             <a:r>
-              <a:rPr lang="es" sz="1800">
+              <a:rPr lang="es" sz="2000">
                 <a:solidFill>
                   <a:srgbClr val="FFFFFF"/>
                 </a:solidFill>
@@ -11890,7 +11985,7 @@
             <a:r>
               <a:t/>
             </a:r>
-            <a:endParaRPr sz="1800">
+            <a:endParaRPr sz="2000">
               <a:latin typeface="Century"/>
               <a:ea typeface="Century"/>
               <a:cs typeface="Century"/>
@@ -11907,7 +12002,7 @@
             <a:r>
               <a:t/>
             </a:r>
-            <a:endParaRPr sz="1800">
+            <a:endParaRPr sz="2000">
               <a:latin typeface="Century"/>
               <a:ea typeface="Century"/>
               <a:cs typeface="Century"/>
@@ -11924,7 +12019,7 @@
             <a:r>
               <a:t/>
             </a:r>
-            <a:endParaRPr sz="1800">
+            <a:endParaRPr sz="2000">
               <a:latin typeface="Century"/>
               <a:ea typeface="Century"/>
               <a:cs typeface="Century"/>
@@ -11939,7 +12034,7 @@
               <a:buNone/>
             </a:pPr>
             <a:r>
-              <a:rPr lang="es" sz="1800">
+              <a:rPr lang="es" sz="2000">
                 <a:solidFill>
                   <a:srgbClr val="FFFFFF"/>
                 </a:solidFill>
@@ -11951,7 +12046,7 @@
               <a:t>– </a:t>
             </a:r>
             <a:r>
-              <a:rPr lang="es" sz="1800">
+              <a:rPr lang="es" sz="2000">
                 <a:solidFill>
                   <a:srgbClr val="FFFFFF"/>
                 </a:solidFill>
@@ -11963,7 +12058,7 @@
               <a:t>Comparativa con la </a:t>
             </a:r>
             <a:r>
-              <a:rPr lang="es" sz="1800">
+              <a:rPr lang="es" sz="2000">
                 <a:solidFill>
                   <a:srgbClr val="FFFFFF"/>
                 </a:solidFill>
@@ -11975,7 +12070,7 @@
               <a:t>programación</a:t>
             </a:r>
             <a:r>
-              <a:rPr lang="es" sz="1800">
+              <a:rPr lang="es" sz="2000">
                 <a:solidFill>
                   <a:srgbClr val="FFFFFF"/>
                 </a:solidFill>
@@ -11998,6 +12093,285 @@
 </file>
 
 <file path=ppt/theme/theme1.xml><?xml version="1.0" encoding="utf-8"?>
+<a:theme xmlns:a="http://schemas.openxmlformats.org/drawingml/2006/main" xmlns:r="http://schemas.openxmlformats.org/officeDocument/2006/relationships" name="Custom Theme">
+  <a:themeElements>
+    <a:clrScheme name="Default">
+      <a:dk1>
+        <a:srgbClr val="000000"/>
+      </a:dk1>
+      <a:lt1>
+        <a:srgbClr val="FFFFFF"/>
+      </a:lt1>
+      <a:dk2>
+        <a:srgbClr val="158158"/>
+      </a:dk2>
+      <a:lt2>
+        <a:srgbClr val="F3F3F3"/>
+      </a:lt2>
+      <a:accent1>
+        <a:srgbClr val="058DC7"/>
+      </a:accent1>
+      <a:accent2>
+        <a:srgbClr val="50B432"/>
+      </a:accent2>
+      <a:accent3>
+        <a:srgbClr val="ED561B"/>
+      </a:accent3>
+      <a:accent4>
+        <a:srgbClr val="EDEF00"/>
+      </a:accent4>
+      <a:accent5>
+        <a:srgbClr val="24CBE5"/>
+      </a:accent5>
+      <a:accent6>
+        <a:srgbClr val="64E572"/>
+      </a:accent6>
+      <a:hlink>
+        <a:srgbClr val="2200CC"/>
+      </a:hlink>
+      <a:folHlink>
+        <a:srgbClr val="551A8B"/>
+      </a:folHlink>
+    </a:clrScheme>
+    <a:fontScheme name="Office">
+      <a:majorFont>
+        <a:latin typeface="Arial"/>
+        <a:ea typeface=""/>
+        <a:cs typeface=""/>
+        <a:font script="Jpan" typeface="ＭＳ Ｐゴシック"/>
+        <a:font script="Hang" typeface="맑은 고딕"/>
+        <a:font script="Hans" typeface="宋体"/>
+        <a:font script="Hant" typeface="新細明體"/>
+        <a:font script="Arab" typeface="Times New Roman"/>
+        <a:font script="Hebr" typeface="Times New Roman"/>
+        <a:font script="Thai" typeface="Angsana New"/>
+        <a:font script="Ethi" typeface="Nyala"/>
+        <a:font script="Beng" typeface="Vrinda"/>
+        <a:font script="Gujr" typeface="Shruti"/>
+        <a:font script="Khmr" typeface="MoolBoran"/>
+        <a:font script="Knda" typeface="Tunga"/>
+        <a:font script="Guru" typeface="Raavi"/>
+        <a:font script="Cans" typeface="Euphemia"/>
+        <a:font script="Cher" typeface="Plantagenet Cherokee"/>
+        <a:font script="Yiii" typeface="Microsoft Yi Baiti"/>
+        <a:font script="Tibt" typeface="Microsoft Himalaya"/>
+        <a:font script="Thaa" typeface="MV Boli"/>
+        <a:font script="Deva" typeface="Mangal"/>
+        <a:font script="Telu" typeface="Gautami"/>
+        <a:font script="Taml" typeface="Latha"/>
+        <a:font script="Syrc" typeface="Estrangelo Edessa"/>
+        <a:font script="Orya" typeface="Kalinga"/>
+        <a:font script="Mlym" typeface="Kartika"/>
+        <a:font script="Laoo" typeface="DokChampa"/>
+        <a:font script="Sinh" typeface="Iskoola Pota"/>
+        <a:font script="Mong" typeface="Mongolian Baiti"/>
+        <a:font script="Viet" typeface="Times New Roman"/>
+        <a:font script="Uigh" typeface="Microsoft Uighur"/>
+        <a:font script="Geor" typeface="Sylfaen"/>
+      </a:majorFont>
+      <a:minorFont>
+        <a:latin typeface="Arial"/>
+        <a:ea typeface=""/>
+        <a:cs typeface=""/>
+        <a:font script="Jpan" typeface="ＭＳ Ｐゴシック"/>
+        <a:font script="Hang" typeface="맑은 고딕"/>
+        <a:font script="Hans" typeface="宋体"/>
+        <a:font script="Hant" typeface="新細明體"/>
+        <a:font script="Arab" typeface="Arial"/>
+        <a:font script="Hebr" typeface="Arial"/>
+        <a:font script="Thai" typeface="Cordia New"/>
+        <a:font script="Ethi" typeface="Nyala"/>
+        <a:font script="Beng" typeface="Vrinda"/>
+        <a:font script="Gujr" typeface="Shruti"/>
+        <a:font script="Khmr" typeface="DaunPenh"/>
+        <a:font script="Knda" typeface="Tunga"/>
+        <a:font script="Guru" typeface="Raavi"/>
+        <a:font script="Cans" typeface="Euphemia"/>
+        <a:font script="Cher" typeface="Plantagenet Cherokee"/>
+        <a:font script="Yiii" typeface="Microsoft Yi Baiti"/>
+        <a:font script="Tibt" typeface="Microsoft Himalaya"/>
+        <a:font script="Thaa" typeface="MV Boli"/>
+        <a:font script="Deva" typeface="Mangal"/>
+        <a:font script="Telu" typeface="Gautami"/>
+        <a:font script="Taml" typeface="Latha"/>
+        <a:font script="Syrc" typeface="Estrangelo Edessa"/>
+        <a:font script="Orya" typeface="Kalinga"/>
+        <a:font script="Mlym" typeface="Kartika"/>
+        <a:font script="Laoo" typeface="DokChampa"/>
+        <a:font script="Sinh" typeface="Iskoola Pota"/>
+        <a:font script="Mong" typeface="Mongolian Baiti"/>
+        <a:font script="Viet" typeface="Arial"/>
+        <a:font script="Uigh" typeface="Microsoft Uighur"/>
+        <a:font script="Geor" typeface="Sylfaen"/>
+      </a:minorFont>
+    </a:fontScheme>
+    <a:fmtScheme name="Office">
+      <a:fillStyleLst>
+        <a:solidFill>
+          <a:schemeClr val="phClr"/>
+        </a:solidFill>
+        <a:gradFill rotWithShape="1">
+          <a:gsLst>
+            <a:gs pos="0">
+              <a:schemeClr val="phClr">
+                <a:tint val="50000"/>
+                <a:satMod val="300000"/>
+              </a:schemeClr>
+            </a:gs>
+            <a:gs pos="35000">
+              <a:schemeClr val="phClr">
+                <a:tint val="37000"/>
+                <a:satMod val="300000"/>
+              </a:schemeClr>
+            </a:gs>
+            <a:gs pos="100000">
+              <a:schemeClr val="phClr">
+                <a:tint val="15000"/>
+                <a:satMod val="350000"/>
+              </a:schemeClr>
+            </a:gs>
+          </a:gsLst>
+          <a:lin ang="16200000" scaled="1"/>
+        </a:gradFill>
+        <a:gradFill rotWithShape="1">
+          <a:gsLst>
+            <a:gs pos="0">
+              <a:schemeClr val="phClr">
+                <a:tint val="100000"/>
+                <a:shade val="100000"/>
+                <a:satMod val="130000"/>
+              </a:schemeClr>
+            </a:gs>
+            <a:gs pos="100000">
+              <a:schemeClr val="phClr">
+                <a:tint val="50000"/>
+                <a:shade val="100000"/>
+                <a:satMod val="350000"/>
+              </a:schemeClr>
+            </a:gs>
+          </a:gsLst>
+          <a:lin ang="16200000" scaled="0"/>
+        </a:gradFill>
+      </a:fillStyleLst>
+      <a:lnStyleLst>
+        <a:ln w="9525" cap="flat" cmpd="sng" algn="ctr">
+          <a:solidFill>
+            <a:schemeClr val="phClr">
+              <a:shade val="95000"/>
+              <a:satMod val="105000"/>
+            </a:schemeClr>
+          </a:solidFill>
+          <a:prstDash val="solid"/>
+        </a:ln>
+        <a:ln w="25400" cap="flat" cmpd="sng" algn="ctr">
+          <a:solidFill>
+            <a:schemeClr val="phClr"/>
+          </a:solidFill>
+          <a:prstDash val="solid"/>
+        </a:ln>
+        <a:ln w="38100" cap="flat" cmpd="sng" algn="ctr">
+          <a:solidFill>
+            <a:schemeClr val="phClr"/>
+          </a:solidFill>
+          <a:prstDash val="solid"/>
+        </a:ln>
+      </a:lnStyleLst>
+      <a:effectStyleLst>
+        <a:effectStyle>
+          <a:effectLst>
+            <a:outerShdw blurRad="40000" dist="20000" dir="5400000" rotWithShape="0">
+              <a:srgbClr val="000000">
+                <a:alpha val="38000"/>
+              </a:srgbClr>
+            </a:outerShdw>
+          </a:effectLst>
+        </a:effectStyle>
+        <a:effectStyle>
+          <a:effectLst>
+            <a:outerShdw blurRad="40000" dist="23000" dir="5400000" rotWithShape="0">
+              <a:srgbClr val="000000">
+                <a:alpha val="35000"/>
+              </a:srgbClr>
+            </a:outerShdw>
+          </a:effectLst>
+        </a:effectStyle>
+        <a:effectStyle>
+          <a:effectLst>
+            <a:outerShdw blurRad="40000" dist="23000" dir="5400000" rotWithShape="0">
+              <a:srgbClr val="000000">
+                <a:alpha val="35000"/>
+              </a:srgbClr>
+            </a:outerShdw>
+          </a:effectLst>
+          <a:scene3d>
+            <a:camera prst="orthographicFront">
+              <a:rot lat="0" lon="0" rev="0"/>
+            </a:camera>
+            <a:lightRig rig="threePt" dir="t">
+              <a:rot lat="0" lon="0" rev="1200000"/>
+            </a:lightRig>
+          </a:scene3d>
+          <a:sp3d>
+            <a:bevelT w="63500" h="25400"/>
+          </a:sp3d>
+        </a:effectStyle>
+      </a:effectStyleLst>
+      <a:bgFillStyleLst>
+        <a:solidFill>
+          <a:schemeClr val="phClr"/>
+        </a:solidFill>
+        <a:gradFill rotWithShape="1">
+          <a:gsLst>
+            <a:gs pos="0">
+              <a:schemeClr val="phClr">
+                <a:tint val="40000"/>
+                <a:satMod val="350000"/>
+              </a:schemeClr>
+            </a:gs>
+            <a:gs pos="40000">
+              <a:schemeClr val="phClr">
+                <a:tint val="45000"/>
+                <a:shade val="99000"/>
+                <a:satMod val="350000"/>
+              </a:schemeClr>
+            </a:gs>
+            <a:gs pos="100000">
+              <a:schemeClr val="phClr">
+                <a:shade val="20000"/>
+                <a:satMod val="255000"/>
+              </a:schemeClr>
+            </a:gs>
+          </a:gsLst>
+          <a:path path="circle">
+            <a:fillToRect l="50000" t="-80000" r="50000" b="180000"/>
+          </a:path>
+        </a:gradFill>
+        <a:gradFill rotWithShape="1">
+          <a:gsLst>
+            <a:gs pos="0">
+              <a:schemeClr val="phClr">
+                <a:tint val="80000"/>
+                <a:satMod val="300000"/>
+              </a:schemeClr>
+            </a:gs>
+            <a:gs pos="100000">
+              <a:schemeClr val="phClr">
+                <a:shade val="30000"/>
+                <a:satMod val="200000"/>
+              </a:schemeClr>
+            </a:gs>
+          </a:gsLst>
+          <a:path path="circle">
+            <a:fillToRect l="50000" t="50000" r="50000" b="50000"/>
+          </a:path>
+        </a:gradFill>
+      </a:bgFillStyleLst>
+    </a:fmtScheme>
+  </a:themeElements>
+</a:theme>
+</file>
+
+<file path=ppt/theme/theme2.xml><?xml version="1.0" encoding="utf-8"?>
 <a:theme xmlns:a="http://schemas.openxmlformats.org/drawingml/2006/main" xmlns:r="http://schemas.openxmlformats.org/officeDocument/2006/relationships" name="Aemelia template">
   <a:themeElements>
     <a:clrScheme name="Custom 347">
@@ -12274,283 +12648,4 @@
     </a:fmtScheme>
   </a:themeElements>
 </a:theme>
-</file>
-
-<file path=ppt/theme/theme2.xml><?xml version="1.0" encoding="utf-8"?>
-<a:theme xmlns:a="http://schemas.openxmlformats.org/drawingml/2006/main" xmlns:r="http://schemas.openxmlformats.org/officeDocument/2006/relationships" name="Custom Theme">
-  <a:themeElements>
-    <a:clrScheme name="Default">
-      <a:dk1>
-        <a:srgbClr val="000000"/>
-      </a:dk1>
-      <a:lt1>
-        <a:srgbClr val="FFFFFF"/>
-      </a:lt1>
-      <a:dk2>
-        <a:srgbClr val="158158"/>
-      </a:dk2>
-      <a:lt2>
-        <a:srgbClr val="F3F3F3"/>
-      </a:lt2>
-      <a:accent1>
-        <a:srgbClr val="058DC7"/>
-      </a:accent1>
-      <a:accent2>
-        <a:srgbClr val="50B432"/>
-      </a:accent2>
-      <a:accent3>
-        <a:srgbClr val="ED561B"/>
-      </a:accent3>
-      <a:accent4>
-        <a:srgbClr val="EDEF00"/>
-      </a:accent4>
-      <a:accent5>
-        <a:srgbClr val="24CBE5"/>
-      </a:accent5>
-      <a:accent6>
-        <a:srgbClr val="64E572"/>
-      </a:accent6>
-      <a:hlink>
-        <a:srgbClr val="2200CC"/>
-      </a:hlink>
-      <a:folHlink>
-        <a:srgbClr val="551A8B"/>
-      </a:folHlink>
-    </a:clrScheme>
-    <a:fontScheme name="Office">
-      <a:majorFont>
-        <a:latin typeface="Arial"/>
-        <a:ea typeface=""/>
-        <a:cs typeface=""/>
-        <a:font script="Jpan" typeface="ＭＳ Ｐゴシック"/>
-        <a:font script="Hang" typeface="맑은 고딕"/>
-        <a:font script="Hans" typeface="宋体"/>
-        <a:font script="Hant" typeface="新細明體"/>
-        <a:font script="Arab" typeface="Times New Roman"/>
-        <a:font script="Hebr" typeface="Times New Roman"/>
-        <a:font script="Thai" typeface="Angsana New"/>
-        <a:font script="Ethi" typeface="Nyala"/>
-        <a:font script="Beng" typeface="Vrinda"/>
-        <a:font script="Gujr" typeface="Shruti"/>
-        <a:font script="Khmr" typeface="MoolBoran"/>
-        <a:font script="Knda" typeface="Tunga"/>
-        <a:font script="Guru" typeface="Raavi"/>
-        <a:font script="Cans" typeface="Euphemia"/>
-        <a:font script="Cher" typeface="Plantagenet Cherokee"/>
-        <a:font script="Yiii" typeface="Microsoft Yi Baiti"/>
-        <a:font script="Tibt" typeface="Microsoft Himalaya"/>
-        <a:font script="Thaa" typeface="MV Boli"/>
-        <a:font script="Deva" typeface="Mangal"/>
-        <a:font script="Telu" typeface="Gautami"/>
-        <a:font script="Taml" typeface="Latha"/>
-        <a:font script="Syrc" typeface="Estrangelo Edessa"/>
-        <a:font script="Orya" typeface="Kalinga"/>
-        <a:font script="Mlym" typeface="Kartika"/>
-        <a:font script="Laoo" typeface="DokChampa"/>
-        <a:font script="Sinh" typeface="Iskoola Pota"/>
-        <a:font script="Mong" typeface="Mongolian Baiti"/>
-        <a:font script="Viet" typeface="Times New Roman"/>
-        <a:font script="Uigh" typeface="Microsoft Uighur"/>
-        <a:font script="Geor" typeface="Sylfaen"/>
-      </a:majorFont>
-      <a:minorFont>
-        <a:latin typeface="Arial"/>
-        <a:ea typeface=""/>
-        <a:cs typeface=""/>
-        <a:font script="Jpan" typeface="ＭＳ Ｐゴシック"/>
-        <a:font script="Hang" typeface="맑은 고딕"/>
-        <a:font script="Hans" typeface="宋体"/>
-        <a:font script="Hant" typeface="新細明體"/>
-        <a:font script="Arab" typeface="Arial"/>
-        <a:font script="Hebr" typeface="Arial"/>
-        <a:font script="Thai" typeface="Cordia New"/>
-        <a:font script="Ethi" typeface="Nyala"/>
-        <a:font script="Beng" typeface="Vrinda"/>
-        <a:font script="Gujr" typeface="Shruti"/>
-        <a:font script="Khmr" typeface="DaunPenh"/>
-        <a:font script="Knda" typeface="Tunga"/>
-        <a:font script="Guru" typeface="Raavi"/>
-        <a:font script="Cans" typeface="Euphemia"/>
-        <a:font script="Cher" typeface="Plantagenet Cherokee"/>
-        <a:font script="Yiii" typeface="Microsoft Yi Baiti"/>
-        <a:font script="Tibt" typeface="Microsoft Himalaya"/>
-        <a:font script="Thaa" typeface="MV Boli"/>
-        <a:font script="Deva" typeface="Mangal"/>
-        <a:font script="Telu" typeface="Gautami"/>
-        <a:font script="Taml" typeface="Latha"/>
-        <a:font script="Syrc" typeface="Estrangelo Edessa"/>
-        <a:font script="Orya" typeface="Kalinga"/>
-        <a:font script="Mlym" typeface="Kartika"/>
-        <a:font script="Laoo" typeface="DokChampa"/>
-        <a:font script="Sinh" typeface="Iskoola Pota"/>
-        <a:font script="Mong" typeface="Mongolian Baiti"/>
-        <a:font script="Viet" typeface="Arial"/>
-        <a:font script="Uigh" typeface="Microsoft Uighur"/>
-        <a:font script="Geor" typeface="Sylfaen"/>
-      </a:minorFont>
-    </a:fontScheme>
-    <a:fmtScheme name="Office">
-      <a:fillStyleLst>
-        <a:solidFill>
-          <a:schemeClr val="phClr"/>
-        </a:solidFill>
-        <a:gradFill rotWithShape="1">
-          <a:gsLst>
-            <a:gs pos="0">
-              <a:schemeClr val="phClr">
-                <a:tint val="50000"/>
-                <a:satMod val="300000"/>
-              </a:schemeClr>
-            </a:gs>
-            <a:gs pos="35000">
-              <a:schemeClr val="phClr">
-                <a:tint val="37000"/>
-                <a:satMod val="300000"/>
-              </a:schemeClr>
-            </a:gs>
-            <a:gs pos="100000">
-              <a:schemeClr val="phClr">
-                <a:tint val="15000"/>
-                <a:satMod val="350000"/>
-              </a:schemeClr>
-            </a:gs>
-          </a:gsLst>
-          <a:lin ang="16200000" scaled="1"/>
-        </a:gradFill>
-        <a:gradFill rotWithShape="1">
-          <a:gsLst>
-            <a:gs pos="0">
-              <a:schemeClr val="phClr">
-                <a:tint val="100000"/>
-                <a:shade val="100000"/>
-                <a:satMod val="130000"/>
-              </a:schemeClr>
-            </a:gs>
-            <a:gs pos="100000">
-              <a:schemeClr val="phClr">
-                <a:tint val="50000"/>
-                <a:shade val="100000"/>
-                <a:satMod val="350000"/>
-              </a:schemeClr>
-            </a:gs>
-          </a:gsLst>
-          <a:lin ang="16200000" scaled="0"/>
-        </a:gradFill>
-      </a:fillStyleLst>
-      <a:lnStyleLst>
-        <a:ln w="9525" cap="flat" cmpd="sng" algn="ctr">
-          <a:solidFill>
-            <a:schemeClr val="phClr">
-              <a:shade val="95000"/>
-              <a:satMod val="105000"/>
-            </a:schemeClr>
-          </a:solidFill>
-          <a:prstDash val="solid"/>
-        </a:ln>
-        <a:ln w="25400" cap="flat" cmpd="sng" algn="ctr">
-          <a:solidFill>
-            <a:schemeClr val="phClr"/>
-          </a:solidFill>
-          <a:prstDash val="solid"/>
-        </a:ln>
-        <a:ln w="38100" cap="flat" cmpd="sng" algn="ctr">
-          <a:solidFill>
-            <a:schemeClr val="phClr"/>
-          </a:solidFill>
-          <a:prstDash val="solid"/>
-        </a:ln>
-      </a:lnStyleLst>
-      <a:effectStyleLst>
-        <a:effectStyle>
-          <a:effectLst>
-            <a:outerShdw blurRad="40000" dist="20000" dir="5400000" rotWithShape="0">
-              <a:srgbClr val="000000">
-                <a:alpha val="38000"/>
-              </a:srgbClr>
-            </a:outerShdw>
-          </a:effectLst>
-        </a:effectStyle>
-        <a:effectStyle>
-          <a:effectLst>
-            <a:outerShdw blurRad="40000" dist="23000" dir="5400000" rotWithShape="0">
-              <a:srgbClr val="000000">
-                <a:alpha val="35000"/>
-              </a:srgbClr>
-            </a:outerShdw>
-          </a:effectLst>
-        </a:effectStyle>
-        <a:effectStyle>
-          <a:effectLst>
-            <a:outerShdw blurRad="40000" dist="23000" dir="5400000" rotWithShape="0">
-              <a:srgbClr val="000000">
-                <a:alpha val="35000"/>
-              </a:srgbClr>
-            </a:outerShdw>
-          </a:effectLst>
-          <a:scene3d>
-            <a:camera prst="orthographicFront">
-              <a:rot lat="0" lon="0" rev="0"/>
-            </a:camera>
-            <a:lightRig rig="threePt" dir="t">
-              <a:rot lat="0" lon="0" rev="1200000"/>
-            </a:lightRig>
-          </a:scene3d>
-          <a:sp3d>
-            <a:bevelT w="63500" h="25400"/>
-          </a:sp3d>
-        </a:effectStyle>
-      </a:effectStyleLst>
-      <a:bgFillStyleLst>
-        <a:solidFill>
-          <a:schemeClr val="phClr"/>
-        </a:solidFill>
-        <a:gradFill rotWithShape="1">
-          <a:gsLst>
-            <a:gs pos="0">
-              <a:schemeClr val="phClr">
-                <a:tint val="40000"/>
-                <a:satMod val="350000"/>
-              </a:schemeClr>
-            </a:gs>
-            <a:gs pos="40000">
-              <a:schemeClr val="phClr">
-                <a:tint val="45000"/>
-                <a:shade val="99000"/>
-                <a:satMod val="350000"/>
-              </a:schemeClr>
-            </a:gs>
-            <a:gs pos="100000">
-              <a:schemeClr val="phClr">
-                <a:shade val="20000"/>
-                <a:satMod val="255000"/>
-              </a:schemeClr>
-            </a:gs>
-          </a:gsLst>
-          <a:path path="circle">
-            <a:fillToRect l="50000" t="-80000" r="50000" b="180000"/>
-          </a:path>
-        </a:gradFill>
-        <a:gradFill rotWithShape="1">
-          <a:gsLst>
-            <a:gs pos="0">
-              <a:schemeClr val="phClr">
-                <a:tint val="80000"/>
-                <a:satMod val="300000"/>
-              </a:schemeClr>
-            </a:gs>
-            <a:gs pos="100000">
-              <a:schemeClr val="phClr">
-                <a:shade val="30000"/>
-                <a:satMod val="200000"/>
-              </a:schemeClr>
-            </a:gs>
-          </a:gsLst>
-          <a:path path="circle">
-            <a:fillToRect l="50000" t="50000" r="50000" b="50000"/>
-          </a:path>
-        </a:gradFill>
-      </a:bgFillStyleLst>
-    </a:fmtScheme>
-  </a:themeElements>
-</a:theme>
 </file>